--- a/outputs/sbm2023.pptx
+++ b/outputs/sbm2023.pptx
@@ -310,6 +310,11 @@
       </a:defRPr>
     </a:lvl9pPr>
   </p:defaultTextStyle>
+  <p:extLst>
+    <p:ext uri="{EFAFB233-063F-42B5-8137-9DF3F51BA10A}">
+      <p15:sldGuideLst xmlns:p15="http://schemas.microsoft.com/office/powerpoint/2012/main"/>
+    </p:ext>
+  </p:extLst>
 </p:presentation>
 </file>
 
@@ -1852,7 +1857,7 @@
           </a:ln>
           <a:extLst>
             <a:ext uri="{C572A759-6A51-4108-AA02-DFA0A04FC94B}">
-              <ma14:wrappingTextBoxFlag xmlns:ma14="http://schemas.microsoft.com/office/mac/drawingml/2011/main" xmlns:a14="http://schemas.microsoft.com/office/drawing/2010/main" xmlns:m="http://schemas.openxmlformats.org/officeDocument/2006/math" xmlns="" val="1"/>
+              <ma14:wrappingTextBoxFlag xmlns="" xmlns:m="http://schemas.openxmlformats.org/officeDocument/2006/math" xmlns:a14="http://schemas.microsoft.com/office/drawing/2010/main" xmlns:ma14="http://schemas.microsoft.com/office/mac/drawingml/2011/main" val="1"/>
             </a:ext>
           </a:extLst>
         </p:spPr>
@@ -1891,7 +1896,7 @@
           </a:ln>
           <a:extLst>
             <a:ext uri="{C572A759-6A51-4108-AA02-DFA0A04FC94B}">
-              <ma14:wrappingTextBoxFlag xmlns:ma14="http://schemas.microsoft.com/office/mac/drawingml/2011/main" xmlns:a14="http://schemas.microsoft.com/office/drawing/2010/main" xmlns:m="http://schemas.openxmlformats.org/officeDocument/2006/math" xmlns="" val="1"/>
+              <ma14:wrappingTextBoxFlag xmlns="" xmlns:m="http://schemas.openxmlformats.org/officeDocument/2006/math" xmlns:a14="http://schemas.microsoft.com/office/drawing/2010/main" xmlns:ma14="http://schemas.microsoft.com/office/mac/drawingml/2011/main" val="1"/>
             </a:ext>
           </a:extLst>
         </p:spPr>
@@ -2849,7 +2854,7 @@
               <a:effectLst/>
               <a:extLst>
                 <a:ext uri="{C572A759-6A51-4108-AA02-DFA0A04FC94B}">
-                  <ma14:wrappingTextBoxFlag xmlns:ma14="http://schemas.microsoft.com/office/mac/drawingml/2011/main" xmlns:a14="http://schemas.microsoft.com/office/drawing/2010/main" xmlns:m="http://schemas.openxmlformats.org/officeDocument/2006/math" xmlns="" val="1"/>
+                  <ma14:wrappingTextBoxFlag xmlns="" xmlns:m="http://schemas.openxmlformats.org/officeDocument/2006/math" xmlns:a14="http://schemas.microsoft.com/office/drawing/2010/main" xmlns:ma14="http://schemas.microsoft.com/office/mac/drawingml/2011/main" val="1"/>
                 </a:ext>
               </a:extLst>
             </p:spPr>
@@ -2930,7 +2935,7 @@
             <a:effectLst/>
             <a:extLst>
               <a:ext uri="{C572A759-6A51-4108-AA02-DFA0A04FC94B}">
-                <ma14:wrappingTextBoxFlag xmlns:ma14="http://schemas.microsoft.com/office/mac/drawingml/2011/main" xmlns:a14="http://schemas.microsoft.com/office/drawing/2010/main" xmlns:m="http://schemas.openxmlformats.org/officeDocument/2006/math" xmlns="" val="1"/>
+                <ma14:wrappingTextBoxFlag xmlns="" xmlns:m="http://schemas.openxmlformats.org/officeDocument/2006/math" xmlns:a14="http://schemas.microsoft.com/office/drawing/2010/main" xmlns:ma14="http://schemas.microsoft.com/office/mac/drawingml/2011/main" val="1"/>
               </a:ext>
             </a:extLst>
           </p:spPr>
@@ -3137,7 +3142,7 @@
               <a:effectLst/>
               <a:extLst>
                 <a:ext uri="{C572A759-6A51-4108-AA02-DFA0A04FC94B}">
-                  <ma14:wrappingTextBoxFlag xmlns:ma14="http://schemas.microsoft.com/office/mac/drawingml/2011/main" xmlns:a14="http://schemas.microsoft.com/office/drawing/2010/main" xmlns:m="http://schemas.openxmlformats.org/officeDocument/2006/math" xmlns="" val="1"/>
+                  <ma14:wrappingTextBoxFlag xmlns="" xmlns:m="http://schemas.openxmlformats.org/officeDocument/2006/math" xmlns:a14="http://schemas.microsoft.com/office/drawing/2010/main" xmlns:ma14="http://schemas.microsoft.com/office/mac/drawingml/2011/main" val="1"/>
                 </a:ext>
               </a:extLst>
             </p:spPr>
@@ -3190,7 +3195,7 @@
             <a:effectLst/>
             <a:extLst>
               <a:ext uri="{C572A759-6A51-4108-AA02-DFA0A04FC94B}">
-                <ma14:wrappingTextBoxFlag xmlns:ma14="http://schemas.microsoft.com/office/mac/drawingml/2011/main" xmlns:a14="http://schemas.microsoft.com/office/drawing/2010/main" xmlns:m="http://schemas.openxmlformats.org/officeDocument/2006/math" xmlns="" val="1"/>
+                <ma14:wrappingTextBoxFlag xmlns="" xmlns:m="http://schemas.openxmlformats.org/officeDocument/2006/math" xmlns:a14="http://schemas.microsoft.com/office/drawing/2010/main" xmlns:ma14="http://schemas.microsoft.com/office/mac/drawingml/2011/main" val="1"/>
               </a:ext>
             </a:extLst>
           </p:spPr>
@@ -3296,7 +3301,7 @@
           </a:ln>
           <a:extLst>
             <a:ext uri="{C572A759-6A51-4108-AA02-DFA0A04FC94B}">
-              <ma14:wrappingTextBoxFlag xmlns:ma14="http://schemas.microsoft.com/office/mac/drawingml/2011/main" xmlns:a14="http://schemas.microsoft.com/office/drawing/2010/main" xmlns:m="http://schemas.openxmlformats.org/officeDocument/2006/math" xmlns="" val="1"/>
+              <ma14:wrappingTextBoxFlag xmlns="" xmlns:m="http://schemas.openxmlformats.org/officeDocument/2006/math" xmlns:a14="http://schemas.microsoft.com/office/drawing/2010/main" xmlns:ma14="http://schemas.microsoft.com/office/mac/drawingml/2011/main" val="1"/>
             </a:ext>
           </a:extLst>
         </p:spPr>
@@ -3426,7 +3431,7 @@
               <a:effectLst/>
               <a:extLst>
                 <a:ext uri="{C572A759-6A51-4108-AA02-DFA0A04FC94B}">
-                  <ma14:wrappingTextBoxFlag xmlns:ma14="http://schemas.microsoft.com/office/mac/drawingml/2011/main" xmlns:a14="http://schemas.microsoft.com/office/drawing/2010/main" xmlns:m="http://schemas.openxmlformats.org/officeDocument/2006/math" xmlns="" val="1"/>
+                  <ma14:wrappingTextBoxFlag xmlns="" xmlns:m="http://schemas.openxmlformats.org/officeDocument/2006/math" xmlns:a14="http://schemas.microsoft.com/office/drawing/2010/main" xmlns:ma14="http://schemas.microsoft.com/office/mac/drawingml/2011/main" val="1"/>
                 </a:ext>
               </a:extLst>
             </p:spPr>
@@ -3473,7 +3478,7 @@
             <a:effectLst/>
             <a:extLst>
               <a:ext uri="{C572A759-6A51-4108-AA02-DFA0A04FC94B}">
-                <ma14:wrappingTextBoxFlag xmlns:ma14="http://schemas.microsoft.com/office/mac/drawingml/2011/main" xmlns:a14="http://schemas.microsoft.com/office/drawing/2010/main" xmlns:m="http://schemas.openxmlformats.org/officeDocument/2006/math" xmlns="" val="1"/>
+                <ma14:wrappingTextBoxFlag xmlns="" xmlns:m="http://schemas.openxmlformats.org/officeDocument/2006/math" xmlns:a14="http://schemas.microsoft.com/office/drawing/2010/main" xmlns:ma14="http://schemas.microsoft.com/office/mac/drawingml/2011/main" val="1"/>
               </a:ext>
             </a:extLst>
           </p:spPr>
@@ -3646,7 +3651,7 @@
           </a:ln>
           <a:extLst>
             <a:ext uri="{C572A759-6A51-4108-AA02-DFA0A04FC94B}">
-              <ma14:wrappingTextBoxFlag xmlns:ma14="http://schemas.microsoft.com/office/mac/drawingml/2011/main" xmlns:a14="http://schemas.microsoft.com/office/drawing/2010/main" xmlns:m="http://schemas.openxmlformats.org/officeDocument/2006/math" xmlns="" val="1"/>
+              <ma14:wrappingTextBoxFlag xmlns="" xmlns:m="http://schemas.openxmlformats.org/officeDocument/2006/math" xmlns:a14="http://schemas.microsoft.com/office/drawing/2010/main" xmlns:ma14="http://schemas.microsoft.com/office/mac/drawingml/2011/main" val="1"/>
             </a:ext>
           </a:extLst>
         </p:spPr>
@@ -3691,7 +3696,7 @@
           </a:ln>
           <a:extLst>
             <a:ext uri="{C572A759-6A51-4108-AA02-DFA0A04FC94B}">
-              <ma14:wrappingTextBoxFlag xmlns:ma14="http://schemas.microsoft.com/office/mac/drawingml/2011/main" xmlns:a14="http://schemas.microsoft.com/office/drawing/2010/main" xmlns:m="http://schemas.openxmlformats.org/officeDocument/2006/math" xmlns="" val="1"/>
+              <ma14:wrappingTextBoxFlag xmlns="" xmlns:m="http://schemas.openxmlformats.org/officeDocument/2006/math" xmlns:a14="http://schemas.microsoft.com/office/drawing/2010/main" xmlns:ma14="http://schemas.microsoft.com/office/mac/drawingml/2011/main" val="1"/>
             </a:ext>
           </a:extLst>
         </p:spPr>
@@ -3790,7 +3795,7 @@
           </a:ln>
           <a:extLst>
             <a:ext uri="{C572A759-6A51-4108-AA02-DFA0A04FC94B}">
-              <ma14:wrappingTextBoxFlag xmlns:ma14="http://schemas.microsoft.com/office/mac/drawingml/2011/main" xmlns:a14="http://schemas.microsoft.com/office/drawing/2010/main" xmlns:m="http://schemas.openxmlformats.org/officeDocument/2006/math" xmlns="" val="1"/>
+              <ma14:wrappingTextBoxFlag xmlns="" xmlns:m="http://schemas.openxmlformats.org/officeDocument/2006/math" xmlns:a14="http://schemas.microsoft.com/office/drawing/2010/main" xmlns:ma14="http://schemas.microsoft.com/office/mac/drawingml/2011/main" val="1"/>
             </a:ext>
           </a:extLst>
         </p:spPr>
@@ -3835,7 +3840,7 @@
           </a:ln>
           <a:extLst>
             <a:ext uri="{C572A759-6A51-4108-AA02-DFA0A04FC94B}">
-              <ma14:wrappingTextBoxFlag xmlns:ma14="http://schemas.microsoft.com/office/mac/drawingml/2011/main" xmlns:a14="http://schemas.microsoft.com/office/drawing/2010/main" xmlns:m="http://schemas.openxmlformats.org/officeDocument/2006/math" xmlns="" val="1"/>
+              <ma14:wrappingTextBoxFlag xmlns="" xmlns:m="http://schemas.openxmlformats.org/officeDocument/2006/math" xmlns:a14="http://schemas.microsoft.com/office/drawing/2010/main" xmlns:ma14="http://schemas.microsoft.com/office/mac/drawingml/2011/main" val="1"/>
             </a:ext>
           </a:extLst>
         </p:spPr>
@@ -3875,8 +3880,8 @@
         </p:nvSpPr>
         <p:spPr>
           <a:xfrm>
-            <a:off x="31525029" y="3479262"/>
-            <a:ext cx="17205771" cy="15108556"/>
+            <a:off x="13586328" y="18907591"/>
+            <a:ext cx="15273004" cy="13173606"/>
           </a:xfrm>
           <a:prstGeom prst="rect">
             <a:avLst/>
@@ -3925,7 +3930,7 @@
         </p:nvSpPr>
         <p:spPr>
           <a:xfrm>
-            <a:off x="32580316" y="6519847"/>
+            <a:off x="13803223" y="20543111"/>
             <a:ext cx="15095196" cy="8556188"/>
           </a:xfrm>
           <a:prstGeom prst="rect">
@@ -3936,7 +3941,7 @@
           </a:ln>
           <a:extLst>
             <a:ext uri="{C572A759-6A51-4108-AA02-DFA0A04FC94B}">
-              <ma14:wrappingTextBoxFlag xmlns:ma14="http://schemas.microsoft.com/office/mac/drawingml/2011/main" xmlns:a14="http://schemas.microsoft.com/office/drawing/2010/main" xmlns:m="http://schemas.openxmlformats.org/officeDocument/2006/math" xmlns="" val="1"/>
+              <ma14:wrappingTextBoxFlag xmlns="" xmlns:m="http://schemas.openxmlformats.org/officeDocument/2006/math" xmlns:a14="http://schemas.microsoft.com/office/drawing/2010/main" xmlns:ma14="http://schemas.microsoft.com/office/mac/drawingml/2011/main" val="1"/>
             </a:ext>
           </a:extLst>
         </p:spPr>
@@ -3993,8 +3998,8 @@
         </p:blipFill>
         <p:spPr>
           <a:xfrm>
-            <a:off x="29052982" y="18766485"/>
-            <a:ext cx="19840082" cy="12355922"/>
+            <a:off x="29443177" y="17019005"/>
+            <a:ext cx="19449887" cy="12112918"/>
           </a:xfrm>
           <a:prstGeom prst="rect">
             <a:avLst/>
@@ -4003,10 +4008,10 @@
       </p:pic>
       <p:pic>
         <p:nvPicPr>
-          <p:cNvPr id="10" name="Picture 9">
+          <p:cNvPr id="8" name="Picture 7" descr="Chart, line chart&#10;&#10;Description automatically generated">
             <a:extLst>
               <a:ext uri="{FF2B5EF4-FFF2-40B4-BE49-F238E27FC236}">
-                <a16:creationId xmlns:a16="http://schemas.microsoft.com/office/drawing/2014/main" id="{40DD5CF0-41AB-43CD-9F48-9E0AB08891CA}"/>
+                <a16:creationId xmlns:a16="http://schemas.microsoft.com/office/drawing/2014/main" id="{1D8133A0-EF9D-53F8-E98D-3506D1DA9207}"/>
               </a:ext>
             </a:extLst>
           </p:cNvPr>
@@ -4029,8 +4034,8 @@
         </p:blipFill>
         <p:spPr>
           <a:xfrm>
-            <a:off x="14796655" y="18795123"/>
-            <a:ext cx="12381582" cy="12454847"/>
+            <a:off x="29584457" y="3497100"/>
+            <a:ext cx="19208227" cy="12311311"/>
           </a:xfrm>
           <a:prstGeom prst="rect">
             <a:avLst/>
